--- a/Prezentacja bazy danych (Steam).pptx
+++ b/Prezentacja bazy danych (Steam).pptx
@@ -2848,7 +2848,21 @@
                 <a:latin typeface="Calibri" pitchFamily="34" charset="0"/>
                 <a:cs typeface="Calibri" pitchFamily="34" charset="0"/>
               </a:rPr>
-              <a:t>Trzeci widok zawiera zapytanie,</a:t>
+              <a:t>Trzeci widok zawiera zapytanie</a:t>
+            </a:r>
+            <a:r>
+              <a:rPr lang="pl-PL" sz="2000" dirty="0" smtClean="0">
+                <a:latin typeface="Calibri" pitchFamily="34" charset="0"/>
+                <a:cs typeface="Calibri" pitchFamily="34" charset="0"/>
+              </a:rPr>
+              <a:t>, które</a:t>
+            </a:r>
+            <a:r>
+              <a:rPr lang="pl-PL" sz="2000" dirty="0" smtClean="0">
+                <a:latin typeface="Calibri" pitchFamily="34" charset="0"/>
+                <a:cs typeface="Calibri" pitchFamily="34" charset="0"/>
+              </a:rPr>
+              <a:t/>
             </a:r>
             <a:br>
               <a:rPr lang="pl-PL" sz="2000" dirty="0" smtClean="0">
